--- a/documents/4_entity/4_Образ_проекта.pptx
+++ b/documents/4_entity/4_Образ_проекта.pptx
@@ -5,29 +5,28 @@
     <p:sldMasterId id="2147483692" r:id="rId1"/>
   </p:sldMasterIdLst>
   <p:notesMasterIdLst>
-    <p:notesMasterId r:id="rId7"/>
+    <p:notesMasterId r:id="rId6"/>
   </p:notesMasterIdLst>
   <p:sldIdLst>
     <p:sldId id="256" r:id="rId2"/>
     <p:sldId id="280" r:id="rId3"/>
     <p:sldId id="290" r:id="rId4"/>
     <p:sldId id="270" r:id="rId5"/>
-    <p:sldId id="271" r:id="rId6"/>
   </p:sldIdLst>
   <p:sldSz cx="12192000" cy="6858000"/>
   <p:notesSz cx="6858000" cy="9144000"/>
   <p:embeddedFontLst>
     <p:embeddedFont>
       <p:font typeface="Calibri Light" panose="020F0302020204030204" pitchFamily="34" charset="0"/>
-      <p:regular r:id="rId8"/>
-      <p:italic r:id="rId9"/>
+      <p:regular r:id="rId7"/>
+      <p:italic r:id="rId8"/>
     </p:embeddedFont>
     <p:embeddedFont>
       <p:font typeface="Calibri" panose="020F0502020204030204" pitchFamily="34" charset="0"/>
-      <p:regular r:id="rId10"/>
-      <p:bold r:id="rId11"/>
-      <p:italic r:id="rId12"/>
-      <p:boldItalic r:id="rId13"/>
+      <p:regular r:id="rId9"/>
+      <p:bold r:id="rId10"/>
+      <p:italic r:id="rId11"/>
+      <p:boldItalic r:id="rId12"/>
     </p:embeddedFont>
   </p:embeddedFontLst>
   <p:defaultTextStyle>
@@ -141,7 +140,7 @@
       </p15:sldGuideLst>
     </p:ext>
     <p:ext uri="http://customooxmlschemas.google.com/">
-      <go:slidesCustomData xmlns="" xmlns:mc="http://schemas.openxmlformats.org/markup-compatibility/2006" xmlns:mv="urn:schemas-microsoft-com:mac:vml" xmlns:c="http://schemas.openxmlformats.org/drawingml/2006/chart" xmlns:dgm="http://schemas.openxmlformats.org/drawingml/2006/diagram" xmlns:o="urn:schemas-microsoft-com:office:office" xmlns:v="urn:schemas-microsoft-com:vml" xmlns:pvml="urn:schemas-microsoft-com:office:powerpoint" xmlns:com="http://schemas.openxmlformats.org/drawingml/2006/compatibility" xmlns:p14="http://schemas.microsoft.com/office/powerpoint/2010/main" xmlns:p15="http://schemas.microsoft.com/office/powerpoint/2012/main" xmlns:ahyp="http://schemas.microsoft.com/office/drawing/2018/hyperlinkcolor" xmlns:go="http://customooxmlschemas.google.com/" r:id="rId33" roundtripDataSignature="AMtx7mhfSfgCuftyKxv2tVGrv4lS9nVnVg=="/>
+      <go:slidesCustomData xmlns:go="http://customooxmlschemas.google.com/" xmlns:ahyp="http://schemas.microsoft.com/office/drawing/2018/hyperlinkcolor" xmlns:p15="http://schemas.microsoft.com/office/powerpoint/2012/main" xmlns:p14="http://schemas.microsoft.com/office/powerpoint/2010/main" xmlns:com="http://schemas.openxmlformats.org/drawingml/2006/compatibility" xmlns:pvml="urn:schemas-microsoft-com:office:powerpoint" xmlns:v="urn:schemas-microsoft-com:vml" xmlns:o="urn:schemas-microsoft-com:office:office" xmlns:dgm="http://schemas.openxmlformats.org/drawingml/2006/diagram" xmlns:c="http://schemas.openxmlformats.org/drawingml/2006/chart" xmlns:mv="urn:schemas-microsoft-com:mac:vml" xmlns:mc="http://schemas.openxmlformats.org/markup-compatibility/2006" xmlns="" r:id="rId33" roundtripDataSignature="AMtx7mhfSfgCuftyKxv2tVGrv4lS9nVnVg=="/>
     </p:ext>
   </p:extLst>
 </p:presentation>
@@ -1022,110 +1021,6 @@
 </p:notes>
 </file>
 
-<file path=ppt/notesSlides/notesSlide5.xml><?xml version="1.0" encoding="utf-8"?>
-<p:notes xmlns:a="http://schemas.openxmlformats.org/drawingml/2006/main" xmlns:r="http://schemas.openxmlformats.org/officeDocument/2006/relationships" xmlns:p="http://schemas.openxmlformats.org/presentationml/2006/main" showMasterSp="0" showMasterPhAnim="0">
-  <p:cSld>
-    <p:spTree>
-      <p:nvGrpSpPr>
-        <p:cNvPr id="1" name="Shape 320"/>
-        <p:cNvGrpSpPr/>
-        <p:nvPr/>
-      </p:nvGrpSpPr>
-      <p:grpSpPr>
-        <a:xfrm>
-          <a:off x="0" y="0"/>
-          <a:ext cx="0" cy="0"/>
-          <a:chOff x="0" y="0"/>
-          <a:chExt cx="0" cy="0"/>
-        </a:xfrm>
-      </p:grpSpPr>
-      <p:sp>
-        <p:nvSpPr>
-          <p:cNvPr id="321" name="Google Shape;321;g10d5072d593_0_68:notes"/>
-          <p:cNvSpPr txBox="1">
-            <a:spLocks noGrp="1"/>
-          </p:cNvSpPr>
-          <p:nvPr>
-            <p:ph type="body" idx="1"/>
-          </p:nvPr>
-        </p:nvSpPr>
-        <p:spPr>
-          <a:xfrm>
-            <a:off x="685800" y="4343400"/>
-            <a:ext cx="5486400" cy="4114800"/>
-          </a:xfrm>
-          <a:prstGeom prst="rect">
-            <a:avLst/>
-          </a:prstGeom>
-        </p:spPr>
-        <p:txBody>
-          <a:bodyPr spcFirstLastPara="1" wrap="square" lIns="91425" tIns="91425" rIns="91425" bIns="91425" anchor="t" anchorCtr="0">
-            <a:noAutofit/>
-          </a:bodyPr>
-          <a:lstStyle/>
-          <a:p>
-            <a:pPr marL="0" lvl="0" indent="0" algn="l" rtl="0">
-              <a:spcBef>
-                <a:spcPts val="0"/>
-              </a:spcBef>
-              <a:spcAft>
-                <a:spcPts val="0"/>
-              </a:spcAft>
-              <a:buNone/>
-            </a:pPr>
-            <a:endParaRPr/>
-          </a:p>
-        </p:txBody>
-      </p:sp>
-      <p:sp>
-        <p:nvSpPr>
-          <p:cNvPr id="322" name="Google Shape;322;g10d5072d593_0_68:notes"/>
-          <p:cNvSpPr>
-            <a:spLocks noGrp="1" noRot="1" noChangeAspect="1"/>
-          </p:cNvSpPr>
-          <p:nvPr>
-            <p:ph type="sldImg" idx="2"/>
-          </p:nvPr>
-        </p:nvSpPr>
-        <p:spPr>
-          <a:xfrm>
-            <a:off x="381000" y="685800"/>
-            <a:ext cx="6096000" cy="3429000"/>
-          </a:xfrm>
-          <a:custGeom>
-            <a:avLst/>
-            <a:gdLst/>
-            <a:ahLst/>
-            <a:cxnLst/>
-            <a:rect l="l" t="t" r="r" b="b"/>
-            <a:pathLst>
-              <a:path w="120000" h="120000" extrusionOk="0">
-                <a:moveTo>
-                  <a:pt x="0" y="0"/>
-                </a:moveTo>
-                <a:lnTo>
-                  <a:pt x="120000" y="0"/>
-                </a:lnTo>
-                <a:lnTo>
-                  <a:pt x="120000" y="120000"/>
-                </a:lnTo>
-                <a:lnTo>
-                  <a:pt x="0" y="120000"/>
-                </a:lnTo>
-                <a:close/>
-              </a:path>
-            </a:pathLst>
-          </a:custGeom>
-        </p:spPr>
-      </p:sp>
-    </p:spTree>
-  </p:cSld>
-  <p:clrMapOvr>
-    <a:masterClrMapping/>
-  </p:clrMapOvr>
-</p:notes>
-</file>
-
 <file path=ppt/slideLayouts/slideLayout1.xml><?xml version="1.0" encoding="utf-8"?>
 <p:sldLayout xmlns:a="http://schemas.openxmlformats.org/drawingml/2006/main" xmlns:r="http://schemas.openxmlformats.org/officeDocument/2006/relationships" xmlns:p="http://schemas.openxmlformats.org/presentationml/2006/main" type="title" preserve="1">
   <p:cSld name="Титульный слайд">
@@ -1273,7 +1168,7 @@
           <a:p>
             <a:fld id="{1E351CED-465B-40B5-ADCE-957C918F227B}" type="datetimeFigureOut">
               <a:rPr lang="en-US" smtClean="0"/>
-              <a:t>2/27/2024</a:t>
+              <a:t>2/29/2024</a:t>
             </a:fld>
             <a:endParaRPr lang="en-US"/>
           </a:p>
@@ -1472,7 +1367,7 @@
           <a:p>
             <a:fld id="{1E351CED-465B-40B5-ADCE-957C918F227B}" type="datetimeFigureOut">
               <a:rPr lang="en-US" smtClean="0"/>
-              <a:t>2/27/2024</a:t>
+              <a:t>2/29/2024</a:t>
             </a:fld>
             <a:endParaRPr lang="en-US"/>
           </a:p>
@@ -1681,7 +1576,7 @@
           <a:p>
             <a:fld id="{1E351CED-465B-40B5-ADCE-957C918F227B}" type="datetimeFigureOut">
               <a:rPr lang="en-US" smtClean="0"/>
-              <a:t>2/27/2024</a:t>
+              <a:t>2/29/2024</a:t>
             </a:fld>
             <a:endParaRPr lang="en-US"/>
           </a:p>
@@ -1866,7 +1761,7 @@
           <a:blip r:embed="rId3">
             <a:extLst>
               <a:ext uri="{96DAC541-7B7A-43D3-8B79-37D633B846F1}">
-                <asvg:svgBlip xmlns:asvg="http://schemas.microsoft.com/office/drawing/2016/SVG/main" xmlns="" r:embed="rId4"/>
+                <asvg:svgBlip xmlns="" xmlns:asvg="http://schemas.microsoft.com/office/drawing/2016/SVG/main" r:embed="rId4"/>
               </a:ext>
             </a:extLst>
           </a:blip>
@@ -2038,7 +1933,7 @@
           <a:p>
             <a:fld id="{1E351CED-465B-40B5-ADCE-957C918F227B}" type="datetimeFigureOut">
               <a:rPr lang="en-US" smtClean="0"/>
-              <a:t>2/27/2024</a:t>
+              <a:t>2/29/2024</a:t>
             </a:fld>
             <a:endParaRPr lang="en-US"/>
           </a:p>
@@ -2314,7 +2209,7 @@
           <a:p>
             <a:fld id="{1E351CED-465B-40B5-ADCE-957C918F227B}" type="datetimeFigureOut">
               <a:rPr lang="en-US" smtClean="0"/>
-              <a:t>2/27/2024</a:t>
+              <a:t>2/29/2024</a:t>
             </a:fld>
             <a:endParaRPr lang="en-US"/>
           </a:p>
@@ -2580,7 +2475,7 @@
           <a:p>
             <a:fld id="{1E351CED-465B-40B5-ADCE-957C918F227B}" type="datetimeFigureOut">
               <a:rPr lang="en-US" smtClean="0"/>
-              <a:t>2/27/2024</a:t>
+              <a:t>2/29/2024</a:t>
             </a:fld>
             <a:endParaRPr lang="en-US"/>
           </a:p>
@@ -2993,7 +2888,7 @@
           <a:p>
             <a:fld id="{1E351CED-465B-40B5-ADCE-957C918F227B}" type="datetimeFigureOut">
               <a:rPr lang="en-US" smtClean="0"/>
-              <a:t>2/27/2024</a:t>
+              <a:t>2/29/2024</a:t>
             </a:fld>
             <a:endParaRPr lang="en-US"/>
           </a:p>
@@ -3135,7 +3030,7 @@
           <a:p>
             <a:fld id="{1E351CED-465B-40B5-ADCE-957C918F227B}" type="datetimeFigureOut">
               <a:rPr lang="en-US" smtClean="0"/>
-              <a:t>2/27/2024</a:t>
+              <a:t>2/29/2024</a:t>
             </a:fld>
             <a:endParaRPr lang="en-US"/>
           </a:p>
@@ -3248,7 +3143,7 @@
           <a:p>
             <a:fld id="{1E351CED-465B-40B5-ADCE-957C918F227B}" type="datetimeFigureOut">
               <a:rPr lang="en-US" smtClean="0"/>
-              <a:t>2/27/2024</a:t>
+              <a:t>2/29/2024</a:t>
             </a:fld>
             <a:endParaRPr lang="en-US"/>
           </a:p>
@@ -3560,7 +3455,7 @@
           <a:p>
             <a:fld id="{1E351CED-465B-40B5-ADCE-957C918F227B}" type="datetimeFigureOut">
               <a:rPr lang="en-US" smtClean="0"/>
-              <a:t>2/27/2024</a:t>
+              <a:t>2/29/2024</a:t>
             </a:fld>
             <a:endParaRPr lang="en-US"/>
           </a:p>
@@ -3849,7 +3744,7 @@
           <a:p>
             <a:fld id="{1E351CED-465B-40B5-ADCE-957C918F227B}" type="datetimeFigureOut">
               <a:rPr lang="en-US" smtClean="0"/>
-              <a:t>2/27/2024</a:t>
+              <a:t>2/29/2024</a:t>
             </a:fld>
             <a:endParaRPr lang="en-US"/>
           </a:p>
@@ -4091,7 +3986,7 @@
           <a:p>
             <a:fld id="{1E351CED-465B-40B5-ADCE-957C918F227B}" type="datetimeFigureOut">
               <a:rPr lang="en-US" smtClean="0"/>
-              <a:t>2/27/2024</a:t>
+              <a:t>2/29/2024</a:t>
             </a:fld>
             <a:endParaRPr lang="en-US"/>
           </a:p>
@@ -10167,582 +10062,6 @@
             <a:fld id="{00000000-1234-1234-1234-123412341234}" type="slidenum">
               <a:rPr lang="ru-RU"/>
               <a:t>4</a:t>
-            </a:fld>
-            <a:endParaRPr lang="ru-RU"/>
-          </a:p>
-        </p:txBody>
-      </p:sp>
-    </p:spTree>
-  </p:cSld>
-  <p:clrMapOvr>
-    <a:masterClrMapping/>
-  </p:clrMapOvr>
-</p:sld>
-</file>
-
-<file path=ppt/slides/slide5.xml><?xml version="1.0" encoding="utf-8"?>
-<p:sld xmlns:a="http://schemas.openxmlformats.org/drawingml/2006/main" xmlns:r="http://schemas.openxmlformats.org/officeDocument/2006/relationships" xmlns:p="http://schemas.openxmlformats.org/presentationml/2006/main">
-  <p:cSld>
-    <p:spTree>
-      <p:nvGrpSpPr>
-        <p:cNvPr id="1" name="Shape 323"/>
-        <p:cNvGrpSpPr/>
-        <p:nvPr/>
-      </p:nvGrpSpPr>
-      <p:grpSpPr>
-        <a:xfrm>
-          <a:off x="0" y="0"/>
-          <a:ext cx="0" cy="0"/>
-          <a:chOff x="0" y="0"/>
-          <a:chExt cx="0" cy="0"/>
-        </a:xfrm>
-      </p:grpSpPr>
-      <p:sp>
-        <p:nvSpPr>
-          <p:cNvPr id="330" name="Google Shape;330;g10d5072d593_0_68"/>
-          <p:cNvSpPr txBox="1"/>
-          <p:nvPr/>
-        </p:nvSpPr>
-        <p:spPr>
-          <a:xfrm>
-            <a:off x="3438144" y="292100"/>
-            <a:ext cx="5175504" cy="369291"/>
-          </a:xfrm>
-          <a:prstGeom prst="rect">
-            <a:avLst/>
-          </a:prstGeom>
-          <a:noFill/>
-          <a:ln>
-            <a:noFill/>
-          </a:ln>
-        </p:spPr>
-        <p:txBody>
-          <a:bodyPr spcFirstLastPara="1" wrap="square" lIns="91425" tIns="45700" rIns="91425" bIns="45700" anchor="t" anchorCtr="0">
-            <a:spAutoFit/>
-          </a:bodyPr>
-          <a:lstStyle/>
-          <a:p>
-            <a:pPr marL="0" marR="0" lvl="0" indent="0" algn="l" rtl="0">
-              <a:lnSpc>
-                <a:spcPct val="100000"/>
-              </a:lnSpc>
-              <a:spcBef>
-                <a:spcPts val="0"/>
-              </a:spcBef>
-              <a:spcAft>
-                <a:spcPts val="0"/>
-              </a:spcAft>
-              <a:buClr>
-                <a:schemeClr val="dk1"/>
-              </a:buClr>
-              <a:buSzPts val="1800"/>
-              <a:buFont typeface="Arial"/>
-              <a:buNone/>
-            </a:pPr>
-            <a:r>
-              <a:rPr lang="ru-RU" sz="1800" b="1">
-                <a:solidFill>
-                  <a:schemeClr val="dk1"/>
-                </a:solidFill>
-                <a:latin typeface="Calibri" panose="020F0502020204030204" pitchFamily="34" charset="0"/>
-                <a:ea typeface="Calibri"/>
-                <a:cs typeface="Calibri" panose="020F0502020204030204" pitchFamily="34" charset="0"/>
-                <a:sym typeface="Calibri"/>
-              </a:rPr>
-              <a:t>Поиск аналогов и конкурентов – для </a:t>
-            </a:r>
-            <a:r>
-              <a:rPr lang="en-US" sz="1800" b="1">
-                <a:solidFill>
-                  <a:schemeClr val="dk1"/>
-                </a:solidFill>
-                <a:latin typeface="Calibri" panose="020F0502020204030204" pitchFamily="34" charset="0"/>
-                <a:ea typeface="Calibri"/>
-                <a:cs typeface="Calibri" panose="020F0502020204030204" pitchFamily="34" charset="0"/>
-                <a:sym typeface="Calibri"/>
-              </a:rPr>
-              <a:t>IT </a:t>
-            </a:r>
-            <a:r>
-              <a:rPr lang="ru-RU" sz="1800" b="1">
-                <a:solidFill>
-                  <a:schemeClr val="dk1"/>
-                </a:solidFill>
-                <a:latin typeface="Calibri" panose="020F0502020204030204" pitchFamily="34" charset="0"/>
-                <a:ea typeface="Calibri"/>
-                <a:cs typeface="Calibri" panose="020F0502020204030204" pitchFamily="34" charset="0"/>
-                <a:sym typeface="Calibri"/>
-              </a:rPr>
-              <a:t>проектов</a:t>
-            </a:r>
-            <a:endParaRPr>
-              <a:latin typeface="Calibri" panose="020F0502020204030204" pitchFamily="34" charset="0"/>
-              <a:cs typeface="Calibri" panose="020F0502020204030204" pitchFamily="34" charset="0"/>
-            </a:endParaRPr>
-          </a:p>
-        </p:txBody>
-      </p:sp>
-      <p:sp>
-        <p:nvSpPr>
-          <p:cNvPr id="331" name="Google Shape;331;g10d5072d593_0_68"/>
-          <p:cNvSpPr txBox="1"/>
-          <p:nvPr/>
-        </p:nvSpPr>
-        <p:spPr>
-          <a:xfrm>
-            <a:off x="4611300" y="663118"/>
-            <a:ext cx="2973900" cy="307800"/>
-          </a:xfrm>
-          <a:prstGeom prst="rect">
-            <a:avLst/>
-          </a:prstGeom>
-          <a:noFill/>
-          <a:ln>
-            <a:noFill/>
-          </a:ln>
-        </p:spPr>
-        <p:txBody>
-          <a:bodyPr spcFirstLastPara="1" wrap="square" lIns="91425" tIns="45700" rIns="91425" bIns="45700" anchor="ctr" anchorCtr="0">
-            <a:noAutofit/>
-          </a:bodyPr>
-          <a:lstStyle/>
-          <a:p>
-            <a:pPr marL="0" marR="0" lvl="0" indent="0" algn="ctr" rtl="0">
-              <a:spcBef>
-                <a:spcPts val="0"/>
-              </a:spcBef>
-              <a:spcAft>
-                <a:spcPts val="0"/>
-              </a:spcAft>
-              <a:buNone/>
-            </a:pPr>
-            <a:r>
-              <a:rPr lang="ru-RU" b="1">
-                <a:solidFill>
-                  <a:schemeClr val="dk1"/>
-                </a:solidFill>
-                <a:latin typeface="Calibri" panose="020F0502020204030204" pitchFamily="34" charset="0"/>
-                <a:ea typeface="Calibri"/>
-                <a:cs typeface="Calibri" panose="020F0502020204030204" pitchFamily="34" charset="0"/>
-                <a:sym typeface="Calibri"/>
-              </a:rPr>
-              <a:t>Составление продуктового видения</a:t>
-            </a:r>
-            <a:endParaRPr>
-              <a:latin typeface="Calibri" panose="020F0502020204030204" pitchFamily="34" charset="0"/>
-              <a:cs typeface="Calibri" panose="020F0502020204030204" pitchFamily="34" charset="0"/>
-            </a:endParaRPr>
-          </a:p>
-        </p:txBody>
-      </p:sp>
-      <p:sp>
-        <p:nvSpPr>
-          <p:cNvPr id="332" name="Google Shape;332;g10d5072d593_0_68"/>
-          <p:cNvSpPr/>
-          <p:nvPr/>
-        </p:nvSpPr>
-        <p:spPr>
-          <a:xfrm>
-            <a:off x="2459800" y="1562775"/>
-            <a:ext cx="7504800" cy="4915500"/>
-          </a:xfrm>
-          <a:prstGeom prst="rect">
-            <a:avLst/>
-          </a:prstGeom>
-          <a:noFill/>
-          <a:ln w="19050" cap="flat" cmpd="sng">
-            <a:solidFill>
-              <a:srgbClr val="00B050"/>
-            </a:solidFill>
-            <a:prstDash val="solid"/>
-            <a:miter lim="800000"/>
-            <a:headEnd type="none" w="sm" len="sm"/>
-            <a:tailEnd type="none" w="sm" len="sm"/>
-          </a:ln>
-        </p:spPr>
-        <p:txBody>
-          <a:bodyPr spcFirstLastPara="1" wrap="square" lIns="91425" tIns="45700" rIns="91425" bIns="45700" anchor="ctr" anchorCtr="0">
-            <a:noAutofit/>
-          </a:bodyPr>
-          <a:lstStyle/>
-          <a:p>
-            <a:pPr marL="0" marR="0" lvl="0" indent="0" algn="ctr" rtl="0">
-              <a:spcBef>
-                <a:spcPts val="0"/>
-              </a:spcBef>
-              <a:spcAft>
-                <a:spcPts val="0"/>
-              </a:spcAft>
-              <a:buClr>
-                <a:srgbClr val="000000"/>
-              </a:buClr>
-              <a:buFont typeface="Arial"/>
-              <a:buNone/>
-            </a:pPr>
-            <a:endParaRPr sz="1800" b="0" i="0" u="none" strike="noStrike" cap="none">
-              <a:solidFill>
-                <a:schemeClr val="lt1"/>
-              </a:solidFill>
-              <a:latin typeface="Calibri" panose="020F0502020204030204" pitchFamily="34" charset="0"/>
-              <a:ea typeface="Calibri"/>
-              <a:cs typeface="Calibri" panose="020F0502020204030204" pitchFamily="34" charset="0"/>
-              <a:sym typeface="Calibri"/>
-            </a:endParaRPr>
-          </a:p>
-        </p:txBody>
-      </p:sp>
-      <p:sp>
-        <p:nvSpPr>
-          <p:cNvPr id="333" name="Google Shape;333;g10d5072d593_0_68"/>
-          <p:cNvSpPr txBox="1"/>
-          <p:nvPr/>
-        </p:nvSpPr>
-        <p:spPr>
-          <a:xfrm>
-            <a:off x="2459800" y="2758650"/>
-            <a:ext cx="7504800" cy="2295983"/>
-          </a:xfrm>
-          <a:prstGeom prst="rect">
-            <a:avLst/>
-          </a:prstGeom>
-          <a:noFill/>
-          <a:ln>
-            <a:noFill/>
-          </a:ln>
-        </p:spPr>
-        <p:txBody>
-          <a:bodyPr spcFirstLastPara="1" wrap="square" lIns="91425" tIns="91425" rIns="91425" bIns="91425" anchor="t" anchorCtr="0">
-            <a:spAutoFit/>
-          </a:bodyPr>
-          <a:lstStyle/>
-          <a:p>
-            <a:pPr>
-              <a:lnSpc>
-                <a:spcPct val="107916"/>
-              </a:lnSpc>
-            </a:pPr>
-            <a:r>
-              <a:rPr lang="ru-RU" sz="1500" dirty="0">
-                <a:solidFill>
-                  <a:srgbClr val="526069"/>
-                </a:solidFill>
-                <a:latin typeface="Calibri"/>
-                <a:ea typeface="Calibri"/>
-                <a:cs typeface="Calibri"/>
-                <a:sym typeface="Calibri"/>
-              </a:rPr>
-              <a:t>Для                              </a:t>
-            </a:r>
-            <a:r>
-              <a:rPr lang="ru-RU" sz="1500" b="1" dirty="0">
-                <a:solidFill>
-                  <a:srgbClr val="526069"/>
-                </a:solidFill>
-                <a:latin typeface="Calibri"/>
-                <a:ea typeface="Calibri"/>
-                <a:cs typeface="Calibri"/>
-                <a:sym typeface="Calibri"/>
-              </a:rPr>
-              <a:t>ученых</a:t>
-            </a:r>
-            <a:r>
-              <a:rPr lang="ru-RU" sz="1500" dirty="0">
-                <a:solidFill>
-                  <a:srgbClr val="526069"/>
-                </a:solidFill>
-                <a:latin typeface="Calibri"/>
-                <a:ea typeface="Calibri"/>
-                <a:cs typeface="Calibri"/>
-                <a:sym typeface="Calibri"/>
-              </a:rPr>
-              <a:t> ,</a:t>
-            </a:r>
-            <a:endParaRPr sz="1500" dirty="0">
-              <a:solidFill>
-                <a:srgbClr val="526069"/>
-              </a:solidFill>
-              <a:latin typeface="Calibri"/>
-              <a:ea typeface="Calibri"/>
-              <a:cs typeface="Calibri"/>
-              <a:sym typeface="Calibri"/>
-            </a:endParaRPr>
-          </a:p>
-          <a:p>
-            <a:pPr>
-              <a:lnSpc>
-                <a:spcPct val="107916"/>
-              </a:lnSpc>
-              <a:spcBef>
-                <a:spcPts val="800"/>
-              </a:spcBef>
-            </a:pPr>
-            <a:r>
-              <a:rPr lang="ru-RU" sz="1500">
-                <a:solidFill>
-                  <a:srgbClr val="526069"/>
-                </a:solidFill>
-                <a:latin typeface="Calibri"/>
-                <a:ea typeface="Calibri"/>
-                <a:cs typeface="Calibri"/>
-                <a:sym typeface="Calibri"/>
-              </a:rPr>
-              <a:t>который                     </a:t>
-            </a:r>
-            <a:r>
-              <a:rPr lang="ru-RU" sz="1500" b="1" dirty="0">
-                <a:solidFill>
-                  <a:srgbClr val="526069"/>
-                </a:solidFill>
-                <a:latin typeface="Calibri"/>
-                <a:ea typeface="Calibri"/>
-                <a:cs typeface="Calibri"/>
-                <a:sym typeface="Calibri"/>
-              </a:rPr>
-              <a:t>изучают океан</a:t>
-            </a:r>
-            <a:r>
-              <a:rPr lang="ru-RU" sz="1500" dirty="0">
-                <a:solidFill>
-                  <a:srgbClr val="526069"/>
-                </a:solidFill>
-                <a:latin typeface="Calibri"/>
-                <a:ea typeface="Calibri"/>
-                <a:cs typeface="Calibri"/>
-                <a:sym typeface="Calibri"/>
-              </a:rPr>
-              <a:t>,</a:t>
-            </a:r>
-            <a:endParaRPr sz="1500" dirty="0">
-              <a:solidFill>
-                <a:srgbClr val="526069"/>
-              </a:solidFill>
-              <a:latin typeface="Calibri" panose="020F0502020204030204" pitchFamily="34" charset="0"/>
-              <a:ea typeface="Calibri"/>
-              <a:cs typeface="Calibri" panose="020F0502020204030204" pitchFamily="34" charset="0"/>
-              <a:sym typeface="Calibri"/>
-            </a:endParaRPr>
-          </a:p>
-          <a:p>
-            <a:pPr>
-              <a:lnSpc>
-                <a:spcPct val="107916"/>
-              </a:lnSpc>
-              <a:spcBef>
-                <a:spcPts val="800"/>
-              </a:spcBef>
-            </a:pPr>
-            <a:r>
-              <a:rPr lang="ru-RU" sz="1500" dirty="0">
-                <a:solidFill>
-                  <a:srgbClr val="526069"/>
-                </a:solidFill>
-                <a:latin typeface="Calibri"/>
-                <a:ea typeface="Calibri"/>
-                <a:cs typeface="Calibri"/>
-                <a:sym typeface="Calibri"/>
-              </a:rPr>
-              <a:t>наш                             </a:t>
-            </a:r>
-            <a:r>
-              <a:rPr lang="ru-RU" sz="1500" b="1" dirty="0">
-                <a:solidFill>
-                  <a:srgbClr val="526069"/>
-                </a:solidFill>
-                <a:latin typeface="Calibri"/>
-                <a:ea typeface="Calibri"/>
-                <a:cs typeface="Calibri"/>
-                <a:sym typeface="Calibri"/>
-              </a:rPr>
-              <a:t>дрон</a:t>
-            </a:r>
-            <a:endParaRPr sz="1500" b="1" dirty="0">
-              <a:solidFill>
-                <a:srgbClr val="526069"/>
-              </a:solidFill>
-              <a:latin typeface="Calibri" panose="020F0502020204030204" pitchFamily="34" charset="0"/>
-              <a:ea typeface="Calibri"/>
-              <a:cs typeface="Calibri" panose="020F0502020204030204" pitchFamily="34" charset="0"/>
-              <a:sym typeface="Calibri"/>
-            </a:endParaRPr>
-          </a:p>
-          <a:p>
-            <a:pPr>
-              <a:lnSpc>
-                <a:spcPct val="107916"/>
-              </a:lnSpc>
-              <a:spcBef>
-                <a:spcPts val="800"/>
-              </a:spcBef>
-            </a:pPr>
-            <a:r>
-              <a:rPr lang="ru-RU" sz="1500" dirty="0">
-                <a:solidFill>
-                  <a:srgbClr val="526069"/>
-                </a:solidFill>
-                <a:latin typeface="Calibri"/>
-                <a:ea typeface="Calibri"/>
-                <a:cs typeface="Calibri"/>
-                <a:sym typeface="Calibri"/>
-              </a:rPr>
-              <a:t>будет                          </a:t>
-            </a:r>
-            <a:r>
-              <a:rPr lang="ru-RU" sz="1500" b="1" dirty="0">
-                <a:solidFill>
-                  <a:srgbClr val="526069"/>
-                </a:solidFill>
-                <a:latin typeface="Calibri"/>
-                <a:ea typeface="Calibri"/>
-                <a:cs typeface="Calibri"/>
-                <a:sym typeface="Calibri"/>
-              </a:rPr>
-              <a:t>помогать изучать дно океана и воду на различной глубине</a:t>
-            </a:r>
-            <a:r>
-              <a:rPr lang="ru-RU" sz="1500" dirty="0">
-                <a:solidFill>
-                  <a:srgbClr val="526069"/>
-                </a:solidFill>
-                <a:latin typeface="Calibri"/>
-                <a:ea typeface="Calibri"/>
-                <a:cs typeface="Calibri"/>
-                <a:sym typeface="Calibri"/>
-              </a:rPr>
-              <a:t>, </a:t>
-            </a:r>
-            <a:endParaRPr sz="1500" dirty="0">
-              <a:solidFill>
-                <a:srgbClr val="526069"/>
-              </a:solidFill>
-              <a:latin typeface="Calibri" panose="020F0502020204030204" pitchFamily="34" charset="0"/>
-              <a:ea typeface="Calibri"/>
-              <a:cs typeface="Calibri" panose="020F0502020204030204" pitchFamily="34" charset="0"/>
-              <a:sym typeface="Calibri"/>
-            </a:endParaRPr>
-          </a:p>
-          <a:p>
-            <a:pPr>
-              <a:lnSpc>
-                <a:spcPct val="107916"/>
-              </a:lnSpc>
-              <a:spcBef>
-                <a:spcPts val="800"/>
-              </a:spcBef>
-            </a:pPr>
-            <a:r>
-              <a:rPr lang="ru-RU" sz="1500" dirty="0">
-                <a:solidFill>
-                  <a:srgbClr val="526069"/>
-                </a:solidFill>
-                <a:latin typeface="Calibri"/>
-                <a:ea typeface="Calibri"/>
-                <a:cs typeface="Calibri"/>
-                <a:sym typeface="Calibri"/>
-              </a:rPr>
-              <a:t>и в отличие от </a:t>
-            </a:r>
-            <a:r>
-              <a:rPr lang="ru-RU" sz="1500" b="1" dirty="0">
-                <a:solidFill>
-                  <a:srgbClr val="526069"/>
-                </a:solidFill>
-                <a:latin typeface="Calibri"/>
-                <a:ea typeface="Calibri"/>
-                <a:cs typeface="Calibri"/>
-                <a:sym typeface="Calibri"/>
-              </a:rPr>
-              <a:t>         конкурентов </a:t>
-            </a:r>
-            <a:endParaRPr sz="1500" b="1" dirty="0">
-              <a:solidFill>
-                <a:srgbClr val="526069"/>
-              </a:solidFill>
-              <a:latin typeface="Calibri" panose="020F0502020204030204" pitchFamily="34" charset="0"/>
-              <a:ea typeface="Calibri"/>
-              <a:cs typeface="Calibri" panose="020F0502020204030204" pitchFamily="34" charset="0"/>
-              <a:sym typeface="Calibri"/>
-            </a:endParaRPr>
-          </a:p>
-          <a:p>
-            <a:pPr>
-              <a:lnSpc>
-                <a:spcPct val="107916"/>
-              </a:lnSpc>
-              <a:spcBef>
-                <a:spcPts val="800"/>
-              </a:spcBef>
-              <a:spcAft>
-                <a:spcPts val="800"/>
-              </a:spcAft>
-            </a:pPr>
-            <a:r>
-              <a:rPr lang="ru-RU" sz="1500" dirty="0">
-                <a:solidFill>
-                  <a:srgbClr val="526069"/>
-                </a:solidFill>
-                <a:latin typeface="Calibri"/>
-                <a:ea typeface="Calibri"/>
-                <a:cs typeface="Calibri"/>
-                <a:sym typeface="Calibri"/>
-              </a:rPr>
-              <a:t>будет             </a:t>
-            </a:r>
-            <a:r>
-              <a:rPr lang="ru-RU" sz="1500" b="1" dirty="0">
-                <a:solidFill>
-                  <a:srgbClr val="526069"/>
-                </a:solidFill>
-                <a:latin typeface="Calibri"/>
-                <a:ea typeface="Calibri"/>
-                <a:cs typeface="Calibri"/>
-                <a:sym typeface="Calibri"/>
-              </a:rPr>
-              <a:t>             дешевым и модульным</a:t>
-            </a:r>
-            <a:endParaRPr lang="ru-RU" sz="1500" b="1" dirty="0">
-              <a:solidFill>
-                <a:srgbClr val="526069"/>
-              </a:solidFill>
-              <a:latin typeface="Calibri" panose="020F0502020204030204" pitchFamily="34" charset="0"/>
-              <a:ea typeface="Calibri"/>
-              <a:cs typeface="Calibri" panose="020F0502020204030204" pitchFamily="34" charset="0"/>
-            </a:endParaRPr>
-          </a:p>
-        </p:txBody>
-      </p:sp>
-      <p:sp>
-        <p:nvSpPr>
-          <p:cNvPr id="2" name="Номер слайда 1">
-            <a:extLst>
-              <a:ext uri="{FF2B5EF4-FFF2-40B4-BE49-F238E27FC236}">
-                <a16:creationId xmlns:a16="http://schemas.microsoft.com/office/drawing/2014/main" id="{96B9ECD7-F8C3-C142-A072-8DC562C660C5}"/>
-              </a:ext>
-            </a:extLst>
-          </p:cNvPr>
-          <p:cNvSpPr>
-            <a:spLocks noGrp="1"/>
-          </p:cNvSpPr>
-          <p:nvPr>
-            <p:ph type="sldNum" idx="12"/>
-          </p:nvPr>
-        </p:nvSpPr>
-        <p:spPr/>
-        <p:txBody>
-          <a:bodyPr/>
-          <a:lstStyle/>
-          <a:p>
-            <a:pPr marL="0" lvl="0" indent="0" algn="r" rtl="0">
-              <a:spcBef>
-                <a:spcPts val="0"/>
-              </a:spcBef>
-              <a:spcAft>
-                <a:spcPts val="0"/>
-              </a:spcAft>
-              <a:buNone/>
-            </a:pPr>
-            <a:fld id="{00000000-1234-1234-1234-123412341234}" type="slidenum">
-              <a:rPr lang="ru-RU"/>
-              <a:t>5</a:t>
             </a:fld>
             <a:endParaRPr lang="ru-RU"/>
           </a:p>

--- a/documents/4_entity/4_Образ_проекта.pptx
+++ b/documents/4_entity/4_Образ_проекта.pptx
@@ -140,7 +140,7 @@
       </p15:sldGuideLst>
     </p:ext>
     <p:ext uri="http://customooxmlschemas.google.com/">
-      <go:slidesCustomData xmlns:go="http://customooxmlschemas.google.com/" xmlns:ahyp="http://schemas.microsoft.com/office/drawing/2018/hyperlinkcolor" xmlns:p15="http://schemas.microsoft.com/office/powerpoint/2012/main" xmlns:p14="http://schemas.microsoft.com/office/powerpoint/2010/main" xmlns:com="http://schemas.openxmlformats.org/drawingml/2006/compatibility" xmlns:pvml="urn:schemas-microsoft-com:office:powerpoint" xmlns:v="urn:schemas-microsoft-com:vml" xmlns:o="urn:schemas-microsoft-com:office:office" xmlns:dgm="http://schemas.openxmlformats.org/drawingml/2006/diagram" xmlns:c="http://schemas.openxmlformats.org/drawingml/2006/chart" xmlns:mv="urn:schemas-microsoft-com:mac:vml" xmlns:mc="http://schemas.openxmlformats.org/markup-compatibility/2006" xmlns="" r:id="rId33" roundtripDataSignature="AMtx7mhfSfgCuftyKxv2tVGrv4lS9nVnVg=="/>
+      <go:slidesCustomData xmlns="" xmlns:mc="http://schemas.openxmlformats.org/markup-compatibility/2006" xmlns:mv="urn:schemas-microsoft-com:mac:vml" xmlns:c="http://schemas.openxmlformats.org/drawingml/2006/chart" xmlns:dgm="http://schemas.openxmlformats.org/drawingml/2006/diagram" xmlns:o="urn:schemas-microsoft-com:office:office" xmlns:v="urn:schemas-microsoft-com:vml" xmlns:pvml="urn:schemas-microsoft-com:office:powerpoint" xmlns:com="http://schemas.openxmlformats.org/drawingml/2006/compatibility" xmlns:p14="http://schemas.microsoft.com/office/powerpoint/2010/main" xmlns:p15="http://schemas.microsoft.com/office/powerpoint/2012/main" xmlns:ahyp="http://schemas.microsoft.com/office/drawing/2018/hyperlinkcolor" xmlns:go="http://customooxmlschemas.google.com/" r:id="rId33" roundtripDataSignature="AMtx7mhfSfgCuftyKxv2tVGrv4lS9nVnVg=="/>
     </p:ext>
   </p:extLst>
 </p:presentation>
@@ -1761,7 +1761,7 @@
           <a:blip r:embed="rId3">
             <a:extLst>
               <a:ext uri="{96DAC541-7B7A-43D3-8B79-37D633B846F1}">
-                <asvg:svgBlip xmlns="" xmlns:asvg="http://schemas.microsoft.com/office/drawing/2016/SVG/main" r:embed="rId4"/>
+                <asvg:svgBlip xmlns:asvg="http://schemas.microsoft.com/office/drawing/2016/SVG/main" xmlns="" r:embed="rId4"/>
               </a:ext>
             </a:extLst>
           </a:blip>
@@ -4614,7 +4614,7 @@
           <p:nvPr>
             <p:extLst>
               <p:ext uri="{D42A27DB-BD31-4B8C-83A1-F6EECF244321}">
-                <p14:modId xmlns:p14="http://schemas.microsoft.com/office/powerpoint/2010/main" val="3436467564"/>
+                <p14:modId xmlns:p14="http://schemas.microsoft.com/office/powerpoint/2010/main" val="3079853826"/>
               </p:ext>
             </p:extLst>
           </p:nvPr>
@@ -5586,8 +5586,77 @@
                           <a:cs typeface="Times New Roman"/>
                           <a:sym typeface="Times New Roman"/>
                         </a:rPr>
-                        <a:t>Разработка рабочего прототипа робота для погружения на дно, взятия проб воды и грунта с разной глубины.  </a:t>
+                        <a:t>Разработка рабочего прототипа робота для погружения на дно, взятия проб воды </a:t>
                       </a:r>
+                      <a:r>
+                        <a:rPr lang="ru-RU" sz="1200" b="0" i="0" u="none" strike="noStrike" cap="none" dirty="0" smtClean="0">
+                          <a:solidFill>
+                            <a:srgbClr val="000000"/>
+                          </a:solidFill>
+                          <a:latin typeface="+mn-lt"/>
+                          <a:ea typeface="Times New Roman"/>
+                          <a:cs typeface="Times New Roman"/>
+                          <a:sym typeface="Times New Roman"/>
+                        </a:rPr>
+                        <a:t>в незамерзающих</a:t>
+                      </a:r>
+                      <a:r>
+                        <a:rPr lang="ru-RU" sz="1200" b="0" i="0" u="none" strike="noStrike" cap="none" baseline="0" dirty="0" smtClean="0">
+                          <a:solidFill>
+                            <a:srgbClr val="000000"/>
+                          </a:solidFill>
+                          <a:latin typeface="+mn-lt"/>
+                          <a:ea typeface="Times New Roman"/>
+                          <a:cs typeface="Times New Roman"/>
+                          <a:sym typeface="Times New Roman"/>
+                        </a:rPr>
+                        <a:t> </a:t>
+                      </a:r>
+                      <a:r>
+                        <a:rPr lang="ru-RU" sz="1200" b="0" i="0" u="none" strike="noStrike" cap="none" dirty="0" smtClean="0">
+                          <a:solidFill>
+                            <a:srgbClr val="000000"/>
+                          </a:solidFill>
+                          <a:latin typeface="+mn-lt"/>
+                          <a:ea typeface="Times New Roman"/>
+                          <a:cs typeface="Times New Roman"/>
+                          <a:sym typeface="Times New Roman"/>
+                        </a:rPr>
+                        <a:t>водоемах с пресной</a:t>
+                      </a:r>
+                      <a:r>
+                        <a:rPr lang="ru-RU" sz="1200" b="0" i="0" u="none" strike="noStrike" cap="none" baseline="0" dirty="0" smtClean="0">
+                          <a:solidFill>
+                            <a:srgbClr val="000000"/>
+                          </a:solidFill>
+                          <a:latin typeface="+mn-lt"/>
+                          <a:ea typeface="Times New Roman"/>
+                          <a:cs typeface="Times New Roman"/>
+                          <a:sym typeface="Times New Roman"/>
+                        </a:rPr>
+                        <a:t> водой с разной глубины </a:t>
+                      </a:r>
+                      <a:r>
+                        <a:rPr lang="ru-RU" sz="1200" b="0" i="0" u="none" strike="noStrike" cap="none" dirty="0" smtClean="0">
+                          <a:solidFill>
+                            <a:srgbClr val="000000"/>
+                          </a:solidFill>
+                          <a:latin typeface="+mn-lt"/>
+                          <a:ea typeface="Times New Roman"/>
+                          <a:cs typeface="Times New Roman"/>
+                          <a:sym typeface="Times New Roman"/>
+                        </a:rPr>
+                        <a:t>и грунта.</a:t>
+                      </a:r>
+                      <a:endParaRPr lang="ru-RU" sz="1200" b="0" i="0" u="none" strike="noStrike" cap="none" dirty="0">
+                        <a:solidFill>
+                          <a:srgbClr val="000000"/>
+                        </a:solidFill>
+                        <a:latin typeface="+mn-lt"/>
+                        <a:ea typeface="Times New Roman"/>
+                        <a:cs typeface="Times New Roman"/>
+                        <a:sym typeface="Times New Roman"/>
+                      </a:endParaRPr>
                     </a:p>
                   </a:txBody>
                   <a:tcPr marL="68575" marR="68575" marT="91425" marB="91425">
@@ -5989,7 +6058,7 @@
               <a:buNone/>
             </a:pPr>
             <a:r>
-              <a:rPr lang="ru-RU" sz="1800" b="1">
+              <a:rPr lang="ru-RU" sz="1800" b="1" dirty="0">
                 <a:solidFill>
                   <a:schemeClr val="dk1"/>
                 </a:solidFill>
@@ -6000,7 +6069,7 @@
               </a:rPr>
               <a:t>Образ продукта</a:t>
             </a:r>
-            <a:endParaRPr>
+            <a:endParaRPr dirty="0">
               <a:latin typeface="Calibri" panose="020F0502020204030204" pitchFamily="34" charset="0"/>
               <a:cs typeface="Calibri" panose="020F0502020204030204" pitchFamily="34" charset="0"/>
             </a:endParaRPr>
